--- a/mhw1.pptx
+++ b/mhw1.pptx
@@ -5100,7 +5100,15 @@
             </a:r>
             <a:r>
               <a:rPr lang="it-IT" sz="2000" dirty="0"/>
-              <a:t>, corsa, quiz). Il pagamento dipenderà dal tempo di permanenza nella struttura e degli sconti ottenuti in base ai punteggi ottenuti. Sono previsti eventi che permettono di ottenere punti bonus in specifici giochi.</a:t>
+              <a:t>, corsa, quiz). Il pagamento dipenderà dal tempo di permanenza nella struttura e degli sconti ottenuti in base </a:t>
+            </a:r>
+            <a:r>
+              <a:rPr lang="it-IT" sz="2000"/>
+              <a:t>ai punteggi fatti. </a:t>
+            </a:r>
+            <a:r>
+              <a:rPr lang="it-IT" sz="2000" dirty="0"/>
+              <a:t>Sono previsti eventi che permettono di ottenere punti bonus in specifici giochi.</a:t>
             </a:r>
           </a:p>
           <a:p>
